--- a/Tag 2/05-Protokolle.pptx
+++ b/Tag 2/05-Protokolle.pptx
@@ -109,6 +109,11 @@
       </a:defRPr>
     </a:lvl9pPr>
   </p:defaultTextStyle>
+  <p:extLst>
+    <p:ext uri="{EFAFB233-063F-42B5-8137-9DF3F51BA10A}">
+      <p15:sldGuideLst xmlns:p15="http://schemas.microsoft.com/office/powerpoint/2012/main"/>
+    </p:ext>
+  </p:extLst>
 </p:presentation>
 </file>
 
@@ -259,7 +264,7 @@
           <a:p>
             <a:fld id="{3F394126-C57D-4523-8F5F-3C1331450226}" type="datetimeFigureOut">
               <a:rPr lang="de-DE" smtClean="0"/>
-              <a:t>22.07.2022</a:t>
+              <a:t>12.08.2022</a:t>
             </a:fld>
             <a:endParaRPr lang="de-DE"/>
           </a:p>
@@ -457,7 +462,7 @@
           <a:p>
             <a:fld id="{3F394126-C57D-4523-8F5F-3C1331450226}" type="datetimeFigureOut">
               <a:rPr lang="de-DE" smtClean="0"/>
-              <a:t>22.07.2022</a:t>
+              <a:t>12.08.2022</a:t>
             </a:fld>
             <a:endParaRPr lang="de-DE"/>
           </a:p>
@@ -665,7 +670,7 @@
           <a:p>
             <a:fld id="{3F394126-C57D-4523-8F5F-3C1331450226}" type="datetimeFigureOut">
               <a:rPr lang="de-DE" smtClean="0"/>
-              <a:t>22.07.2022</a:t>
+              <a:t>12.08.2022</a:t>
             </a:fld>
             <a:endParaRPr lang="de-DE"/>
           </a:p>
@@ -863,7 +868,7 @@
           <a:p>
             <a:fld id="{3F394126-C57D-4523-8F5F-3C1331450226}" type="datetimeFigureOut">
               <a:rPr lang="de-DE" smtClean="0"/>
-              <a:t>22.07.2022</a:t>
+              <a:t>12.08.2022</a:t>
             </a:fld>
             <a:endParaRPr lang="de-DE"/>
           </a:p>
@@ -1138,7 +1143,7 @@
           <a:p>
             <a:fld id="{3F394126-C57D-4523-8F5F-3C1331450226}" type="datetimeFigureOut">
               <a:rPr lang="de-DE" smtClean="0"/>
-              <a:t>22.07.2022</a:t>
+              <a:t>12.08.2022</a:t>
             </a:fld>
             <a:endParaRPr lang="de-DE"/>
           </a:p>
@@ -1403,7 +1408,7 @@
           <a:p>
             <a:fld id="{3F394126-C57D-4523-8F5F-3C1331450226}" type="datetimeFigureOut">
               <a:rPr lang="de-DE" smtClean="0"/>
-              <a:t>22.07.2022</a:t>
+              <a:t>12.08.2022</a:t>
             </a:fld>
             <a:endParaRPr lang="de-DE"/>
           </a:p>
@@ -1815,7 +1820,7 @@
           <a:p>
             <a:fld id="{3F394126-C57D-4523-8F5F-3C1331450226}" type="datetimeFigureOut">
               <a:rPr lang="de-DE" smtClean="0"/>
-              <a:t>22.07.2022</a:t>
+              <a:t>12.08.2022</a:t>
             </a:fld>
             <a:endParaRPr lang="de-DE"/>
           </a:p>
@@ -1956,7 +1961,7 @@
           <a:p>
             <a:fld id="{3F394126-C57D-4523-8F5F-3C1331450226}" type="datetimeFigureOut">
               <a:rPr lang="de-DE" smtClean="0"/>
-              <a:t>22.07.2022</a:t>
+              <a:t>12.08.2022</a:t>
             </a:fld>
             <a:endParaRPr lang="de-DE"/>
           </a:p>
@@ -2069,7 +2074,7 @@
           <a:p>
             <a:fld id="{3F394126-C57D-4523-8F5F-3C1331450226}" type="datetimeFigureOut">
               <a:rPr lang="de-DE" smtClean="0"/>
-              <a:t>22.07.2022</a:t>
+              <a:t>12.08.2022</a:t>
             </a:fld>
             <a:endParaRPr lang="de-DE"/>
           </a:p>
@@ -2380,7 +2385,7 @@
           <a:p>
             <a:fld id="{3F394126-C57D-4523-8F5F-3C1331450226}" type="datetimeFigureOut">
               <a:rPr lang="de-DE" smtClean="0"/>
-              <a:t>22.07.2022</a:t>
+              <a:t>12.08.2022</a:t>
             </a:fld>
             <a:endParaRPr lang="de-DE"/>
           </a:p>
@@ -2668,7 +2673,7 @@
           <a:p>
             <a:fld id="{3F394126-C57D-4523-8F5F-3C1331450226}" type="datetimeFigureOut">
               <a:rPr lang="de-DE" smtClean="0"/>
-              <a:t>22.07.2022</a:t>
+              <a:t>12.08.2022</a:t>
             </a:fld>
             <a:endParaRPr lang="de-DE"/>
           </a:p>
@@ -2909,7 +2914,7 @@
           <a:p>
             <a:fld id="{3F394126-C57D-4523-8F5F-3C1331450226}" type="datetimeFigureOut">
               <a:rPr lang="de-DE" smtClean="0"/>
-              <a:t>22.07.2022</a:t>
+              <a:t>12.08.2022</a:t>
             </a:fld>
             <a:endParaRPr lang="de-DE"/>
           </a:p>
@@ -4400,39 +4405,11 @@
           <a:p>
             <a:r>
               <a:rPr lang="de-DE" b="1" dirty="0"/>
-              <a:t>SPI </a:t>
+              <a:t>I2C </a:t>
             </a:r>
             <a:r>
               <a:rPr lang="de-DE" dirty="0"/>
-              <a:t>(</a:t>
-            </a:r>
-            <a:r>
-              <a:rPr lang="de-DE" b="1" dirty="0"/>
-              <a:t>S</a:t>
-            </a:r>
-            <a:r>
-              <a:rPr lang="de-DE" dirty="0"/>
-              <a:t>erial </a:t>
-            </a:r>
-            <a:r>
-              <a:rPr lang="de-DE" b="1" dirty="0" err="1"/>
-              <a:t>P</a:t>
-            </a:r>
-            <a:r>
-              <a:rPr lang="de-DE" dirty="0" err="1"/>
-              <a:t>eripheral</a:t>
-            </a:r>
-            <a:r>
-              <a:rPr lang="de-DE" dirty="0"/>
-              <a:t> </a:t>
-            </a:r>
-            <a:r>
-              <a:rPr lang="de-DE" b="1" dirty="0"/>
-              <a:t>I</a:t>
-            </a:r>
-            <a:r>
-              <a:rPr lang="de-DE" dirty="0"/>
-              <a:t>nterface) Bus</a:t>
+              <a:t>(Inter-Integrated Circuit) Bus</a:t>
             </a:r>
           </a:p>
         </p:txBody>
